--- a/Power Point/Project 3-Trends in Foster Care_TOMalley.pptx
+++ b/Power Point/Project 3-Trends in Foster Care_TOMalley.pptx
@@ -6659,24 +6659,14 @@
           <a:p>
             <a:pPr algn="just"/>
             <a:r>
-              <a:rPr lang="en-US" sz="4800" b="0" i="0" dirty="0">
+              <a:rPr lang="en-US" sz="5600" b="0" i="0" dirty="0">
                 <a:solidFill>
                   <a:srgbClr val="212529"/>
                 </a:solidFill>
                 <a:effectLst/>
                 <a:latin typeface="-apple-system"/>
               </a:rPr>
-              <a:t>We developed a model with existing data to predict what the foster care needs will </a:t>
-            </a:r>
-            <a:r>
-              <a:rPr lang="en-US" sz="5600" b="0" i="0" dirty="0">
-                <a:solidFill>
-                  <a:srgbClr val="212529"/>
-                </a:solidFill>
-                <a:effectLst/>
-                <a:latin typeface="-apple-system"/>
-              </a:rPr>
-              <a:t>be in the next 10 years from now. As you can see from the following selected states' results, we could predict that there will be an ever-increasing number of children in care over the next 10 years. If our predictions are on point then there will certainly be a correlated increased need for an expansion in foster care services.</a:t>
+              <a:t>We developed a model with existing data to predict what the foster care needs will be in the next 10 years from now. As you can see from the following selected states' results, we could predict that there will be an ever-increasing number of children in care over the next 10 years. If our predictions are on point then there will certainly be a correlated increased need for an expansion in foster care services.</a:t>
             </a:r>
           </a:p>
           <a:p>
@@ -10994,24 +10984,6 @@
 </file>
 
 <file path=customXml/item1.xml><?xml version="1.0" encoding="utf-8"?>
-<p:properties xmlns:p="http://schemas.microsoft.com/office/2006/metadata/properties" xmlns:xsi="http://www.w3.org/2001/XMLSchema-instance" xmlns:pc="http://schemas.microsoft.com/office/infopath/2007/PartnerControls">
-  <documentManagement>
-    <Status xmlns="71af3243-3dd4-4a8d-8c0d-dd76da1f02a5">Not started</Status>
-    <MediaServiceKeyPoints xmlns="71af3243-3dd4-4a8d-8c0d-dd76da1f02a5" xsi:nil="true"/>
-  </documentManagement>
-</p:properties>
-</file>
-
-<file path=customXml/item2.xml><?xml version="1.0" encoding="utf-8"?>
-<?mso-contentType ?>
-<FormTemplates xmlns="http://schemas.microsoft.com/sharepoint/v3/contenttype/forms">
-  <Display>DocumentLibraryForm</Display>
-  <Edit>DocumentLibraryForm</Edit>
-  <New>DocumentLibraryForm</New>
-</FormTemplates>
-</file>
-
-<file path=customXml/item3.xml><?xml version="1.0" encoding="utf-8"?>
 <ct:contentTypeSchema xmlns:ct="http://schemas.microsoft.com/office/2006/metadata/contentType" xmlns:ma="http://schemas.microsoft.com/office/2006/metadata/properties/metaAttributes" ct:_="" ma:_="" ma:contentTypeName="Document" ma:contentTypeID="0x01010079F111ED35F8CC479449609E8A0923A6" ma:contentTypeVersion="12" ma:contentTypeDescription="Create a new document." ma:contentTypeScope="" ma:versionID="426e97fa315356fffbdcd9876fe988c2">
   <xsd:schema xmlns:xsd="http://www.w3.org/2001/XMLSchema" xmlns:xs="http://www.w3.org/2001/XMLSchema" xmlns:p="http://schemas.microsoft.com/office/2006/metadata/properties" xmlns:ns2="71af3243-3dd4-4a8d-8c0d-dd76da1f02a5" xmlns:ns3="16c05727-aa75-4e4a-9b5f-8a80a1165891" targetNamespace="http://schemas.microsoft.com/office/2006/metadata/properties" ma:root="true" ma:fieldsID="14b8f0def80e6d70ce3def20c90759ae" ns2:_="" ns3:_="">
     <xsd:import namespace="71af3243-3dd4-4a8d-8c0d-dd76da1f02a5"/>
@@ -11232,25 +11204,25 @@
 </ct:contentTypeSchema>
 </file>
 
-<file path=customXml/itemProps1.xml><?xml version="1.0" encoding="utf-8"?>
-<ds:datastoreItem xmlns:ds="http://schemas.openxmlformats.org/officeDocument/2006/customXml" ds:itemID="{D0976319-4513-485C-AD3A-E56C39927A38}">
-  <ds:schemaRefs>
-    <ds:schemaRef ds:uri="http://schemas.microsoft.com/office/2006/metadata/properties"/>
-    <ds:schemaRef ds:uri="http://schemas.microsoft.com/office/infopath/2007/PartnerControls"/>
-    <ds:schemaRef ds:uri="71af3243-3dd4-4a8d-8c0d-dd76da1f02a5"/>
-  </ds:schemaRefs>
-</ds:datastoreItem>
+<file path=customXml/item2.xml><?xml version="1.0" encoding="utf-8"?>
+<?mso-contentType ?>
+<FormTemplates xmlns="http://schemas.microsoft.com/sharepoint/v3/contenttype/forms">
+  <Display>DocumentLibraryForm</Display>
+  <Edit>DocumentLibraryForm</Edit>
+  <New>DocumentLibraryForm</New>
+</FormTemplates>
 </file>
 
-<file path=customXml/itemProps2.xml><?xml version="1.0" encoding="utf-8"?>
-<ds:datastoreItem xmlns:ds="http://schemas.openxmlformats.org/officeDocument/2006/customXml" ds:itemID="{53A10211-FBDE-44DA-8AD6-29E596B2975F}">
-  <ds:schemaRefs>
-    <ds:schemaRef ds:uri="http://schemas.microsoft.com/sharepoint/v3/contenttype/forms"/>
-  </ds:schemaRefs>
-</ds:datastoreItem>
+<file path=customXml/item3.xml><?xml version="1.0" encoding="utf-8"?>
+<p:properties xmlns:p="http://schemas.microsoft.com/office/2006/metadata/properties" xmlns:xsi="http://www.w3.org/2001/XMLSchema-instance" xmlns:pc="http://schemas.microsoft.com/office/infopath/2007/PartnerControls">
+  <documentManagement>
+    <Status xmlns="71af3243-3dd4-4a8d-8c0d-dd76da1f02a5">Not started</Status>
+    <MediaServiceKeyPoints xmlns="71af3243-3dd4-4a8d-8c0d-dd76da1f02a5" xsi:nil="true"/>
+  </documentManagement>
+</p:properties>
 </file>
 
-<file path=customXml/itemProps3.xml><?xml version="1.0" encoding="utf-8"?>
+<file path=customXml/itemProps1.xml><?xml version="1.0" encoding="utf-8"?>
 <ds:datastoreItem xmlns:ds="http://schemas.openxmlformats.org/officeDocument/2006/customXml" ds:itemID="{6A1B7BBB-8F46-4BA8-85EC-2ECC1D2E3290}">
   <ds:schemaRefs>
     <ds:schemaRef ds:uri="http://schemas.microsoft.com/office/2006/metadata/contentType"/>
@@ -11267,4 +11239,22 @@
     <ds:schemaRef ds:uri="http://schemas.microsoft.com/internal/obd"/>
   </ds:schemaRefs>
 </ds:datastoreItem>
+</file>
+
+<file path=customXml/itemProps2.xml><?xml version="1.0" encoding="utf-8"?>
+<ds:datastoreItem xmlns:ds="http://schemas.openxmlformats.org/officeDocument/2006/customXml" ds:itemID="{53A10211-FBDE-44DA-8AD6-29E596B2975F}">
+  <ds:schemaRefs>
+    <ds:schemaRef ds:uri="http://schemas.microsoft.com/sharepoint/v3/contenttype/forms"/>
+  </ds:schemaRefs>
+</ds:datastoreItem>
+</file>
+
+<file path=customXml/itemProps3.xml><?xml version="1.0" encoding="utf-8"?>
+<ds:datastoreItem xmlns:ds="http://schemas.openxmlformats.org/officeDocument/2006/customXml" ds:itemID="{D0976319-4513-485C-AD3A-E56C39927A38}">
+  <ds:schemaRefs>
+    <ds:schemaRef ds:uri="http://schemas.microsoft.com/office/2006/metadata/properties"/>
+    <ds:schemaRef ds:uri="http://schemas.microsoft.com/office/infopath/2007/PartnerControls"/>
+    <ds:schemaRef ds:uri="71af3243-3dd4-4a8d-8c0d-dd76da1f02a5"/>
+  </ds:schemaRefs>
+</ds:datastoreItem>
 </file>